--- a/machine_learning/Regression/bitcoin_price_forecast/presentacion_final/presentacion.pptx
+++ b/machine_learning/Regression/bitcoin_price_forecast/presentacion_final/presentacion.pptx
@@ -412,7 +412,7 @@
           <a:p>
             <a:fld id="{7A847CFC-816F-41D0-AAC0-9BF4FEBC753E}" type="datetimeFigureOut">
               <a:rPr lang="es-ES" smtClean="0"/>
-              <a:t>24/05/2020</a:t>
+              <a:t>25/05/2020</a:t>
             </a:fld>
             <a:endParaRPr lang="es-ES"/>
           </a:p>
@@ -603,7 +603,7 @@
           <a:p>
             <a:fld id="{7A847CFC-816F-41D0-AAC0-9BF4FEBC753E}" type="datetimeFigureOut">
               <a:rPr lang="es-ES" smtClean="0"/>
-              <a:t>24/05/2020</a:t>
+              <a:t>25/05/2020</a:t>
             </a:fld>
             <a:endParaRPr lang="es-ES"/>
           </a:p>
@@ -788,7 +788,7 @@
           <a:p>
             <a:fld id="{7A847CFC-816F-41D0-AAC0-9BF4FEBC753E}" type="datetimeFigureOut">
               <a:rPr lang="es-ES" smtClean="0"/>
-              <a:t>24/05/2020</a:t>
+              <a:t>25/05/2020</a:t>
             </a:fld>
             <a:endParaRPr lang="es-ES"/>
           </a:p>
@@ -1051,7 +1051,7 @@
           <a:p>
             <a:fld id="{7A847CFC-816F-41D0-AAC0-9BF4FEBC753E}" type="datetimeFigureOut">
               <a:rPr lang="es-ES" smtClean="0"/>
-              <a:t>24/05/2020</a:t>
+              <a:t>25/05/2020</a:t>
             </a:fld>
             <a:endParaRPr lang="es-ES"/>
           </a:p>
@@ -1467,7 +1467,7 @@
           <a:p>
             <a:fld id="{7A847CFC-816F-41D0-AAC0-9BF4FEBC753E}" type="datetimeFigureOut">
               <a:rPr lang="es-ES" smtClean="0"/>
-              <a:t>24/05/2020</a:t>
+              <a:t>25/05/2020</a:t>
             </a:fld>
             <a:endParaRPr lang="es-ES"/>
           </a:p>
@@ -1709,7 +1709,7 @@
           <a:p>
             <a:fld id="{7A847CFC-816F-41D0-AAC0-9BF4FEBC753E}" type="datetimeFigureOut">
               <a:rPr lang="es-ES" smtClean="0"/>
-              <a:t>24/05/2020</a:t>
+              <a:t>25/05/2020</a:t>
             </a:fld>
             <a:endParaRPr lang="es-ES"/>
           </a:p>
@@ -1945,7 +1945,7 @@
           <a:p>
             <a:fld id="{7A847CFC-816F-41D0-AAC0-9BF4FEBC753E}" type="datetimeFigureOut">
               <a:rPr lang="es-ES" smtClean="0"/>
-              <a:t>24/05/2020</a:t>
+              <a:t>25/05/2020</a:t>
             </a:fld>
             <a:endParaRPr lang="es-ES"/>
           </a:p>
@@ -2140,7 +2140,7 @@
           <a:p>
             <a:fld id="{7A847CFC-816F-41D0-AAC0-9BF4FEBC753E}" type="datetimeFigureOut">
               <a:rPr lang="es-ES" smtClean="0"/>
-              <a:t>24/05/2020</a:t>
+              <a:t>25/05/2020</a:t>
             </a:fld>
             <a:endParaRPr lang="es-ES"/>
           </a:p>
@@ -2238,7 +2238,7 @@
           <a:p>
             <a:fld id="{7A847CFC-816F-41D0-AAC0-9BF4FEBC753E}" type="datetimeFigureOut">
               <a:rPr lang="es-ES" smtClean="0"/>
-              <a:t>24/05/2020</a:t>
+              <a:t>25/05/2020</a:t>
             </a:fld>
             <a:endParaRPr lang="es-ES"/>
           </a:p>
@@ -2374,7 +2374,7 @@
           <a:p>
             <a:fld id="{7A847CFC-816F-41D0-AAC0-9BF4FEBC753E}" type="datetimeFigureOut">
               <a:rPr lang="es-ES" smtClean="0"/>
-              <a:t>24/05/2020</a:t>
+              <a:t>25/05/2020</a:t>
             </a:fld>
             <a:endParaRPr lang="es-ES"/>
           </a:p>
@@ -2892,7 +2892,7 @@
           <a:p>
             <a:fld id="{7A847CFC-816F-41D0-AAC0-9BF4FEBC753E}" type="datetimeFigureOut">
               <a:rPr lang="es-ES" smtClean="0"/>
-              <a:t>24/05/2020</a:t>
+              <a:t>25/05/2020</a:t>
             </a:fld>
             <a:endParaRPr lang="es-ES"/>
           </a:p>
@@ -3153,7 +3153,7 @@
           <a:p>
             <a:fld id="{7A847CFC-816F-41D0-AAC0-9BF4FEBC753E}" type="datetimeFigureOut">
               <a:rPr lang="es-ES" smtClean="0"/>
-              <a:t>24/05/2020</a:t>
+              <a:t>25/05/2020</a:t>
             </a:fld>
             <a:endParaRPr lang="es-ES"/>
           </a:p>
@@ -3716,11 +3716,7 @@
           <a:p>
             <a:r>
               <a:rPr lang="es-MX" dirty="0" smtClean="0"/>
-              <a:t>Pronósticos del precio </a:t>
-            </a:r>
-            <a:r>
-              <a:rPr lang="es-MX" dirty="0" smtClean="0"/>
-              <a:t>de </a:t>
+              <a:t>Pronósticos del precio de </a:t>
             </a:r>
             <a:r>
               <a:rPr lang="es-MX" dirty="0" err="1" smtClean="0"/>
@@ -4205,32 +4201,63 @@
         </p:nvSpPr>
         <p:spPr/>
         <p:txBody>
-          <a:bodyPr/>
+          <a:bodyPr>
+            <a:normAutofit fontScale="92500" lnSpcReduction="20000"/>
+          </a:bodyPr>
           <a:lstStyle/>
           <a:p>
             <a:pPr algn="just"/>
             <a:r>
               <a:rPr lang="es-MX" dirty="0" smtClean="0"/>
-              <a:t>El objetivo de Investigación se logró.</a:t>
-            </a:r>
+              <a:t>Con base en:</a:t>
+            </a:r>
+          </a:p>
+          <a:p>
+            <a:pPr lvl="1" algn="just"/>
+            <a:r>
+              <a:rPr lang="es-MX" dirty="0" smtClean="0"/>
+              <a:t>Reducción de RMSE en un 9.2%</a:t>
+            </a:r>
+          </a:p>
+          <a:p>
+            <a:pPr lvl="1" algn="just"/>
+            <a:r>
+              <a:rPr lang="es-MX" dirty="0"/>
+              <a:t>Reducción de </a:t>
+            </a:r>
+            <a:r>
+              <a:rPr lang="es-MX" dirty="0" smtClean="0"/>
+              <a:t>MAE </a:t>
+            </a:r>
+            <a:r>
+              <a:rPr lang="es-MX" dirty="0"/>
+              <a:t>en un </a:t>
+            </a:r>
+            <a:r>
+              <a:rPr lang="es-MX" dirty="0" smtClean="0"/>
+              <a:t>11.14%</a:t>
+            </a:r>
+            <a:endParaRPr lang="es-MX" dirty="0" smtClean="0"/>
           </a:p>
           <a:p>
             <a:pPr algn="just"/>
             <a:r>
               <a:rPr lang="es-MX" dirty="0" smtClean="0"/>
-              <a:t>Aprovechando las ventajas de cada modelo se</a:t>
-            </a:r>
-            <a:r>
-              <a:rPr lang="es-MX" dirty="0"/>
-              <a:t/>
-            </a:r>
-            <a:br>
-              <a:rPr lang="es-MX" dirty="0"/>
-            </a:br>
-            <a:r>
-              <a:rPr lang="es-MX" dirty="0" smtClean="0"/>
-              <a:t>hicieron pronósticos más precisos.</a:t>
-            </a:r>
+              <a:t>Se concluye que el objetivo de investigación se cumplió ya que el </a:t>
+            </a:r>
+            <a:r>
+              <a:rPr lang="es-MX" dirty="0" smtClean="0"/>
+              <a:t>modelo ARIMA-LSTM logró reducir los errores, lo que significa que sus pron</a:t>
+            </a:r>
+            <a:r>
+              <a:rPr lang="es-MX" dirty="0" smtClean="0"/>
+              <a:t>ósticos se aproximan mejor a los precios reales</a:t>
+            </a:r>
+            <a:r>
+              <a:rPr lang="es-MX" dirty="0" smtClean="0"/>
+              <a:t>.</a:t>
+            </a:r>
+            <a:endParaRPr lang="es-MX" dirty="0" smtClean="0"/>
           </a:p>
           <a:p>
             <a:pPr algn="just"/>
@@ -6070,7 +6097,6 @@
               <a:rPr lang="es-MX" dirty="0" smtClean="0"/>
               <a:t>Evaluación de resultados</a:t>
             </a:r>
-            <a:endParaRPr lang="es-MX" dirty="0" smtClean="0"/>
           </a:p>
         </p:txBody>
       </p:sp>
@@ -6161,11 +6187,7 @@
             <a:pPr algn="just"/>
             <a:r>
               <a:rPr lang="es-MX" dirty="0" smtClean="0"/>
-              <a:t>Implementar </a:t>
-            </a:r>
-            <a:r>
-              <a:rPr lang="es-MX" dirty="0" smtClean="0"/>
-              <a:t>los modelos:</a:t>
+              <a:t>Implementar los modelos:</a:t>
             </a:r>
           </a:p>
           <a:p>
@@ -6220,7 +6242,6 @@
               <a:rPr lang="es-MX" dirty="0" smtClean="0"/>
               <a:t>Objetivo de Investigación:</a:t>
             </a:r>
-            <a:endParaRPr lang="es-MX" dirty="0" smtClean="0"/>
           </a:p>
           <a:p>
             <a:pPr algn="just"/>
@@ -6284,7 +6305,6 @@
               <a:rPr lang="es-MX" dirty="0" smtClean="0"/>
               <a:t>cada modelo por separado.</a:t>
             </a:r>
-            <a:endParaRPr lang="es-MX" dirty="0" smtClean="0"/>
           </a:p>
         </p:txBody>
       </p:sp>
@@ -7049,37 +7069,19 @@
           <a:p>
             <a:r>
               <a:rPr lang="es-MX" dirty="0" smtClean="0"/>
-              <a:t>1. Entrenar</a:t>
-            </a:r>
-            <a:r>
-              <a:rPr lang="es-MX" dirty="0" smtClean="0"/>
-              <a:t> modelo ARIMA</a:t>
-            </a:r>
-            <a:endParaRPr lang="es-MX" dirty="0" smtClean="0"/>
-          </a:p>
-          <a:p>
-            <a:r>
-              <a:rPr lang="es-MX" dirty="0" smtClean="0"/>
-              <a:t>2. Obtener </a:t>
-            </a:r>
-            <a:r>
-              <a:rPr lang="es-MX" dirty="0" smtClean="0"/>
-              <a:t>secuencia </a:t>
-            </a:r>
-            <a:r>
-              <a:rPr lang="es-MX" dirty="0" smtClean="0"/>
-              <a:t>residual</a:t>
-            </a:r>
-            <a:endParaRPr lang="es-MX" dirty="0" smtClean="0"/>
-          </a:p>
-          <a:p>
-            <a:r>
-              <a:rPr lang="es-MX" dirty="0" smtClean="0"/>
-              <a:t>3. Entrenar </a:t>
-            </a:r>
-            <a:r>
-              <a:rPr lang="es-MX" dirty="0" smtClean="0"/>
-              <a:t>LSTM </a:t>
+              <a:t>1. Entrenar modelo ARIMA</a:t>
+            </a:r>
+          </a:p>
+          <a:p>
+            <a:r>
+              <a:rPr lang="es-MX" dirty="0" smtClean="0"/>
+              <a:t>2. Obtener secuencia residual</a:t>
+            </a:r>
+          </a:p>
+          <a:p>
+            <a:r>
+              <a:rPr lang="es-MX" dirty="0" smtClean="0"/>
+              <a:t>3. Entrenar LSTM </a:t>
             </a:r>
             <a:r>
               <a:rPr lang="es-MX" dirty="0"/>
@@ -7089,55 +7091,31 @@
               <a:rPr lang="es-MX" dirty="0" smtClean="0"/>
               <a:t>residuos)</a:t>
             </a:r>
-            <a:endParaRPr lang="es-MX" dirty="0" smtClean="0"/>
           </a:p>
           <a:p>
             <a:r>
               <a:rPr lang="es-MX" dirty="0" smtClean="0"/>
               <a:t>4. Pronóstico de ARIMA</a:t>
             </a:r>
-            <a:endParaRPr lang="es-MX" dirty="0" smtClean="0"/>
           </a:p>
           <a:p>
             <a:r>
               <a:rPr lang="es-MX" dirty="0" smtClean="0"/>
               <a:t>5. Pronóstico de LSTM</a:t>
             </a:r>
-            <a:endParaRPr lang="es-MX" dirty="0" smtClean="0"/>
-          </a:p>
-          <a:p>
-            <a:r>
-              <a:rPr lang="es-MX" dirty="0" smtClean="0"/>
-              <a:t>6. Suma </a:t>
-            </a:r>
-            <a:r>
-              <a:rPr lang="es-MX" dirty="0" smtClean="0"/>
-              <a:t>de </a:t>
-            </a:r>
-            <a:r>
-              <a:rPr lang="es-MX" dirty="0" smtClean="0"/>
-              <a:t>pronósticos para</a:t>
-            </a:r>
-            <a:r>
-              <a:rPr lang="es-MX" dirty="0" smtClean="0"/>
-              <a:t/>
+          </a:p>
+          <a:p>
+            <a:r>
+              <a:rPr lang="es-MX" dirty="0" smtClean="0"/>
+              <a:t>6. Suma de pronósticos para</a:t>
             </a:r>
             <a:br>
               <a:rPr lang="es-MX" dirty="0" smtClean="0"/>
             </a:br>
             <a:r>
               <a:rPr lang="es-MX" dirty="0" smtClean="0"/>
-              <a:t>obtener </a:t>
-            </a:r>
-            <a:r>
-              <a:rPr lang="es-MX" dirty="0" smtClean="0"/>
-              <a:t>el pronóstico</a:t>
-            </a:r>
-            <a:r>
-              <a:rPr lang="es-MX" dirty="0" smtClean="0"/>
-              <a:t> final</a:t>
-            </a:r>
-            <a:endParaRPr lang="es-MX" dirty="0" smtClean="0"/>
+              <a:t>obtener el pronóstico final</a:t>
+            </a:r>
           </a:p>
           <a:p>
             <a:endParaRPr lang="es-MX" dirty="0"/>

--- a/machine_learning/Regression/bitcoin_price_forecast/presentacion_final/presentacion.pptx
+++ b/machine_learning/Regression/bitcoin_price_forecast/presentacion_final/presentacion.pptx
@@ -412,7 +412,7 @@
           <a:p>
             <a:fld id="{7A847CFC-816F-41D0-AAC0-9BF4FEBC753E}" type="datetimeFigureOut">
               <a:rPr lang="es-ES" smtClean="0"/>
-              <a:t>25/05/2020</a:t>
+              <a:t>28/05/2020</a:t>
             </a:fld>
             <a:endParaRPr lang="es-ES"/>
           </a:p>
@@ -603,7 +603,7 @@
           <a:p>
             <a:fld id="{7A847CFC-816F-41D0-AAC0-9BF4FEBC753E}" type="datetimeFigureOut">
               <a:rPr lang="es-ES" smtClean="0"/>
-              <a:t>25/05/2020</a:t>
+              <a:t>28/05/2020</a:t>
             </a:fld>
             <a:endParaRPr lang="es-ES"/>
           </a:p>
@@ -788,7 +788,7 @@
           <a:p>
             <a:fld id="{7A847CFC-816F-41D0-AAC0-9BF4FEBC753E}" type="datetimeFigureOut">
               <a:rPr lang="es-ES" smtClean="0"/>
-              <a:t>25/05/2020</a:t>
+              <a:t>28/05/2020</a:t>
             </a:fld>
             <a:endParaRPr lang="es-ES"/>
           </a:p>
@@ -1051,7 +1051,7 @@
           <a:p>
             <a:fld id="{7A847CFC-816F-41D0-AAC0-9BF4FEBC753E}" type="datetimeFigureOut">
               <a:rPr lang="es-ES" smtClean="0"/>
-              <a:t>25/05/2020</a:t>
+              <a:t>28/05/2020</a:t>
             </a:fld>
             <a:endParaRPr lang="es-ES"/>
           </a:p>
@@ -1467,7 +1467,7 @@
           <a:p>
             <a:fld id="{7A847CFC-816F-41D0-AAC0-9BF4FEBC753E}" type="datetimeFigureOut">
               <a:rPr lang="es-ES" smtClean="0"/>
-              <a:t>25/05/2020</a:t>
+              <a:t>28/05/2020</a:t>
             </a:fld>
             <a:endParaRPr lang="es-ES"/>
           </a:p>
@@ -1709,7 +1709,7 @@
           <a:p>
             <a:fld id="{7A847CFC-816F-41D0-AAC0-9BF4FEBC753E}" type="datetimeFigureOut">
               <a:rPr lang="es-ES" smtClean="0"/>
-              <a:t>25/05/2020</a:t>
+              <a:t>28/05/2020</a:t>
             </a:fld>
             <a:endParaRPr lang="es-ES"/>
           </a:p>
@@ -1945,7 +1945,7 @@
           <a:p>
             <a:fld id="{7A847CFC-816F-41D0-AAC0-9BF4FEBC753E}" type="datetimeFigureOut">
               <a:rPr lang="es-ES" smtClean="0"/>
-              <a:t>25/05/2020</a:t>
+              <a:t>28/05/2020</a:t>
             </a:fld>
             <a:endParaRPr lang="es-ES"/>
           </a:p>
@@ -2140,7 +2140,7 @@
           <a:p>
             <a:fld id="{7A847CFC-816F-41D0-AAC0-9BF4FEBC753E}" type="datetimeFigureOut">
               <a:rPr lang="es-ES" smtClean="0"/>
-              <a:t>25/05/2020</a:t>
+              <a:t>28/05/2020</a:t>
             </a:fld>
             <a:endParaRPr lang="es-ES"/>
           </a:p>
@@ -2238,7 +2238,7 @@
           <a:p>
             <a:fld id="{7A847CFC-816F-41D0-AAC0-9BF4FEBC753E}" type="datetimeFigureOut">
               <a:rPr lang="es-ES" smtClean="0"/>
-              <a:t>25/05/2020</a:t>
+              <a:t>28/05/2020</a:t>
             </a:fld>
             <a:endParaRPr lang="es-ES"/>
           </a:p>
@@ -2374,7 +2374,7 @@
           <a:p>
             <a:fld id="{7A847CFC-816F-41D0-AAC0-9BF4FEBC753E}" type="datetimeFigureOut">
               <a:rPr lang="es-ES" smtClean="0"/>
-              <a:t>25/05/2020</a:t>
+              <a:t>28/05/2020</a:t>
             </a:fld>
             <a:endParaRPr lang="es-ES"/>
           </a:p>
@@ -2892,7 +2892,7 @@
           <a:p>
             <a:fld id="{7A847CFC-816F-41D0-AAC0-9BF4FEBC753E}" type="datetimeFigureOut">
               <a:rPr lang="es-ES" smtClean="0"/>
-              <a:t>25/05/2020</a:t>
+              <a:t>28/05/2020</a:t>
             </a:fld>
             <a:endParaRPr lang="es-ES"/>
           </a:p>
@@ -3153,7 +3153,7 @@
           <a:p>
             <a:fld id="{7A847CFC-816F-41D0-AAC0-9BF4FEBC753E}" type="datetimeFigureOut">
               <a:rPr lang="es-ES" smtClean="0"/>
-              <a:t>25/05/2020</a:t>
+              <a:t>28/05/2020</a:t>
             </a:fld>
             <a:endParaRPr lang="es-ES"/>
           </a:p>
@@ -3834,7 +3834,7 @@
       </p:sp>
       <p:pic>
         <p:nvPicPr>
-          <p:cNvPr id="4" name="3 Marcador de contenido"/>
+          <p:cNvPr id="5" name="4 Marcador de contenido"/>
           <p:cNvPicPr>
             <a:picLocks noGrp="1" noChangeAspect="1"/>
           </p:cNvPicPr>
@@ -3923,7 +3923,7 @@
       </p:sp>
       <p:pic>
         <p:nvPicPr>
-          <p:cNvPr id="4" name="3 Marcador de contenido"/>
+          <p:cNvPr id="5" name="4 Marcador de contenido"/>
           <p:cNvPicPr>
             <a:picLocks noGrp="1" noChangeAspect="1"/>
           </p:cNvPicPr>
@@ -3946,7 +3946,7 @@
         <p:spPr>
           <a:xfrm>
             <a:off x="27598" y="1556792"/>
-            <a:ext cx="9132721" cy="4680519"/>
+            <a:ext cx="9132724" cy="4680520"/>
           </a:xfrm>
         </p:spPr>
       </p:pic>
@@ -4012,65 +4012,6 @@
       </p:sp>
       <p:pic>
         <p:nvPicPr>
-          <p:cNvPr id="4" name="3 Marcador de contenido"/>
-          <p:cNvPicPr>
-            <a:picLocks noGrp="1" noChangeAspect="1"/>
-          </p:cNvPicPr>
-          <p:nvPr>
-            <p:ph sz="quarter" idx="1"/>
-          </p:nvPr>
-        </p:nvPicPr>
-        <p:blipFill>
-          <a:blip r:embed="rId2">
-            <a:extLst>
-              <a:ext uri="{28A0092B-C50C-407E-A947-70E740481C1C}">
-                <a14:useLocalDpi xmlns:a14="http://schemas.microsoft.com/office/drawing/2010/main" val="0"/>
-              </a:ext>
-            </a:extLst>
-          </a:blip>
-          <a:stretch>
-            <a:fillRect/>
-          </a:stretch>
-        </p:blipFill>
-        <p:spPr>
-          <a:xfrm>
-            <a:off x="1115616" y="3467106"/>
-            <a:ext cx="2867425" cy="2553056"/>
-          </a:xfrm>
-        </p:spPr>
-      </p:pic>
-      <p:pic>
-        <p:nvPicPr>
-          <p:cNvPr id="5" name="4 Imagen"/>
-          <p:cNvPicPr>
-            <a:picLocks noChangeAspect="1"/>
-          </p:cNvPicPr>
-          <p:nvPr/>
-        </p:nvPicPr>
-        <p:blipFill>
-          <a:blip r:embed="rId3">
-            <a:extLst>
-              <a:ext uri="{28A0092B-C50C-407E-A947-70E740481C1C}">
-                <a14:useLocalDpi xmlns:a14="http://schemas.microsoft.com/office/drawing/2010/main" val="0"/>
-              </a:ext>
-            </a:extLst>
-          </a:blip>
-          <a:stretch>
-            <a:fillRect/>
-          </a:stretch>
-        </p:blipFill>
-        <p:spPr>
-          <a:xfrm>
-            <a:off x="5148064" y="3429000"/>
-            <a:ext cx="2905531" cy="2591162"/>
-          </a:xfrm>
-          <a:prstGeom prst="rect">
-            <a:avLst/>
-          </a:prstGeom>
-        </p:spPr>
-      </p:pic>
-      <p:pic>
-        <p:nvPicPr>
           <p:cNvPr id="6" name="5 Imagen"/>
           <p:cNvPicPr>
             <a:picLocks noChangeAspect="1"/>
@@ -4078,7 +4019,7 @@
           <p:nvPr/>
         </p:nvPicPr>
         <p:blipFill>
-          <a:blip r:embed="rId4">
+          <a:blip r:embed="rId2">
             <a:extLst>
               <a:ext uri="{28A0092B-C50C-407E-A947-70E740481C1C}">
                 <a14:useLocalDpi xmlns:a14="http://schemas.microsoft.com/office/drawing/2010/main" val="0"/>
@@ -4108,7 +4049,7 @@
           <p:nvPr/>
         </p:nvPicPr>
         <p:blipFill>
-          <a:blip r:embed="rId5">
+          <a:blip r:embed="rId3">
             <a:extLst>
               <a:ext uri="{28A0092B-C50C-407E-A947-70E740481C1C}">
                 <a14:useLocalDpi xmlns:a14="http://schemas.microsoft.com/office/drawing/2010/main" val="0"/>
@@ -4123,6 +4064,66 @@
           <a:xfrm>
             <a:off x="4860032" y="1772816"/>
             <a:ext cx="3714750" cy="1247775"/>
+          </a:xfrm>
+          <a:prstGeom prst="rect">
+            <a:avLst/>
+          </a:prstGeom>
+        </p:spPr>
+      </p:pic>
+      <p:pic>
+        <p:nvPicPr>
+          <p:cNvPr id="7" name="6 Imagen"/>
+          <p:cNvPicPr>
+            <a:picLocks noChangeAspect="1"/>
+          </p:cNvPicPr>
+          <p:nvPr/>
+        </p:nvPicPr>
+        <p:blipFill>
+          <a:blip r:embed="rId4">
+            <a:extLst>
+              <a:ext uri="{28A0092B-C50C-407E-A947-70E740481C1C}">
+                <a14:useLocalDpi xmlns:a14="http://schemas.microsoft.com/office/drawing/2010/main" val="0"/>
+              </a:ext>
+            </a:extLst>
+          </a:blip>
+          <a:stretch>
+            <a:fillRect/>
+          </a:stretch>
+        </p:blipFill>
+        <p:spPr>
+          <a:xfrm>
+            <a:off x="1115616" y="3438527"/>
+            <a:ext cx="2905531" cy="2581635"/>
+          </a:xfrm>
+          <a:prstGeom prst="rect">
+            <a:avLst/>
+          </a:prstGeom>
+        </p:spPr>
+      </p:pic>
+      <p:pic>
+        <p:nvPicPr>
+          <p:cNvPr id="10" name="9 Imagen"/>
+          <p:cNvPicPr>
+            <a:picLocks noChangeAspect="1"/>
+          </p:cNvPicPr>
+          <p:nvPr/>
+        </p:nvPicPr>
+        <p:blipFill>
+          <a:blip r:embed="rId5">
+            <a:extLst>
+              <a:ext uri="{28A0092B-C50C-407E-A947-70E740481C1C}">
+                <a14:useLocalDpi xmlns:a14="http://schemas.microsoft.com/office/drawing/2010/main" val="0"/>
+              </a:ext>
+            </a:extLst>
+          </a:blip>
+          <a:stretch>
+            <a:fillRect/>
+          </a:stretch>
+        </p:blipFill>
+        <p:spPr>
+          <a:xfrm>
+            <a:off x="5144674" y="3456356"/>
+            <a:ext cx="2896004" cy="2572109"/>
           </a:xfrm>
           <a:prstGeom prst="rect">
             <a:avLst/>
@@ -4216,7 +4217,7 @@
             <a:pPr lvl="1" algn="just"/>
             <a:r>
               <a:rPr lang="es-MX" dirty="0" smtClean="0"/>
-              <a:t>Reducción de RMSE en un 9.2%</a:t>
+              <a:t>Reducción de RMSE en un 9.6%</a:t>
             </a:r>
           </a:p>
           <a:p>
@@ -4235,29 +4236,15 @@
             </a:r>
             <a:r>
               <a:rPr lang="es-MX" dirty="0" smtClean="0"/>
-              <a:t>11.14%</a:t>
-            </a:r>
-            <a:endParaRPr lang="es-MX" dirty="0" smtClean="0"/>
+              <a:t>11.69%</a:t>
+            </a:r>
           </a:p>
           <a:p>
             <a:pPr algn="just"/>
             <a:r>
               <a:rPr lang="es-MX" dirty="0" smtClean="0"/>
-              <a:t>Se concluye que el objetivo de investigación se cumplió ya que el </a:t>
-            </a:r>
-            <a:r>
-              <a:rPr lang="es-MX" dirty="0" smtClean="0"/>
-              <a:t>modelo ARIMA-LSTM logró reducir los errores, lo que significa que sus pron</a:t>
-            </a:r>
-            <a:r>
-              <a:rPr lang="es-MX" dirty="0" smtClean="0"/>
-              <a:t>ósticos se aproximan mejor a los precios reales</a:t>
-            </a:r>
-            <a:r>
-              <a:rPr lang="es-MX" dirty="0" smtClean="0"/>
-              <a:t>.</a:t>
-            </a:r>
-            <a:endParaRPr lang="es-MX" dirty="0" smtClean="0"/>
+              <a:t>Se concluye que el objetivo de investigación se cumplió ya que el modelo ARIMA-LSTM logró reducir los errores, lo que significa que sus pronósticos se aproximan mejor a los precios reales.</a:t>
+            </a:r>
           </a:p>
           <a:p>
             <a:pPr algn="just"/>
